--- a/2017_03_Optimisation.pptx
+++ b/2017_03_Optimisation.pptx
@@ -241,7 +241,7 @@
           <a:p>
             <a:fld id="{801DB4AD-0506-804D-9177-ECB4D2AAA278}" type="datetimeFigureOut">
               <a:rPr lang="fr-FR" smtClean="0"/>
-              <a:t>28/09/17</a:t>
+              <a:t>12/10/17</a:t>
             </a:fld>
             <a:endParaRPr lang="fr-FR"/>
           </a:p>
@@ -407,7 +407,7 @@
           <a:p>
             <a:fld id="{A81B47BE-82C2-FD4D-9B98-CA52A80151C0}" type="datetimeFigureOut">
               <a:rPr lang="fr-FR" smtClean="0"/>
-              <a:t>28/09/17</a:t>
+              <a:t>12/10/17</a:t>
             </a:fld>
             <a:endParaRPr lang="fr-FR"/>
           </a:p>
@@ -943,17 +943,12 @@
             </a:r>
             <a:r>
               <a:rPr lang="fr-FR" dirty="0" smtClean="0"/>
-              <a:t>317 </a:t>
-            </a:r>
-            <a:r>
-              <a:rPr lang="fr-FR" dirty="0" smtClean="0"/>
-              <a:t>– </a:t>
+              <a:t>317 – </a:t>
             </a:r>
             <a:r>
               <a:rPr lang="fr-FR" b="1" dirty="0" smtClean="0"/>
               <a:t>Cours 3</a:t>
             </a:r>
-            <a:endParaRPr lang="fr-FR" b="1" dirty="0" smtClean="0"/>
           </a:p>
         </p:txBody>
       </p:sp>
@@ -1196,7 +1191,7 @@
           <a:p>
             <a:fld id="{B94C9C20-38C7-C24C-B25E-CF5797927152}" type="datetime1">
               <a:rPr lang="fr-FR" smtClean="0"/>
-              <a:t>28/09/17</a:t>
+              <a:t>12/10/17</a:t>
             </a:fld>
             <a:endParaRPr lang="fr-FR" dirty="0"/>
           </a:p>
@@ -1258,11 +1253,7 @@
             </a:r>
             <a:r>
               <a:rPr lang="fr-FR" dirty="0" smtClean="0"/>
-              <a:t>317 </a:t>
-            </a:r>
-            <a:r>
-              <a:rPr lang="fr-FR" dirty="0" smtClean="0"/>
-              <a:t>– </a:t>
+              <a:t>317 – </a:t>
             </a:r>
             <a:r>
               <a:rPr lang="fr-FR" b="1" dirty="0" smtClean="0"/>
@@ -1511,7 +1502,7 @@
           <a:p>
             <a:fld id="{4E98CD23-23F2-6042-B6A2-DB95A11E092D}" type="datetime1">
               <a:rPr lang="fr-FR" smtClean="0"/>
-              <a:t>28/09/17</a:t>
+              <a:t>12/10/17</a:t>
             </a:fld>
             <a:endParaRPr lang="fr-FR" dirty="0"/>
           </a:p>
@@ -1621,11 +1612,7 @@
             </a:r>
             <a:r>
               <a:rPr lang="fr-FR" dirty="0" smtClean="0"/>
-              <a:t>317 </a:t>
-            </a:r>
-            <a:r>
-              <a:rPr lang="fr-FR" dirty="0" smtClean="0"/>
-              <a:t>– </a:t>
+              <a:t>317 – </a:t>
             </a:r>
             <a:r>
               <a:rPr lang="fr-FR" b="1" dirty="0" smtClean="0"/>
@@ -1874,7 +1861,7 @@
           <a:p>
             <a:fld id="{2ED88F81-E892-434E-B5F5-D85D36598338}" type="datetime1">
               <a:rPr lang="fr-FR" smtClean="0"/>
-              <a:t>28/09/17</a:t>
+              <a:t>12/10/17</a:t>
             </a:fld>
             <a:endParaRPr lang="fr-FR" dirty="0"/>
           </a:p>
@@ -2032,11 +2019,7 @@
             </a:r>
             <a:r>
               <a:rPr lang="fr-FR" dirty="0" smtClean="0"/>
-              <a:t>317 </a:t>
-            </a:r>
-            <a:r>
-              <a:rPr lang="fr-FR" dirty="0" smtClean="0"/>
-              <a:t>– </a:t>
+              <a:t>317 – </a:t>
             </a:r>
             <a:r>
               <a:rPr lang="fr-FR" b="1" dirty="0" smtClean="0"/>
@@ -2285,7 +2268,7 @@
           <a:p>
             <a:fld id="{66A2ED34-359D-FE47-A91F-1DB091E3414E}" type="datetime1">
               <a:rPr lang="fr-FR" smtClean="0"/>
-              <a:t>28/09/17</a:t>
+              <a:t>12/10/17</a:t>
             </a:fld>
             <a:endParaRPr lang="fr-FR" dirty="0"/>
           </a:p>
@@ -2443,11 +2426,7 @@
             </a:r>
             <a:r>
               <a:rPr lang="fr-FR" dirty="0" smtClean="0"/>
-              <a:t>317 </a:t>
-            </a:r>
-            <a:r>
-              <a:rPr lang="fr-FR" dirty="0" smtClean="0"/>
-              <a:t>– </a:t>
+              <a:t>317 – </a:t>
             </a:r>
             <a:r>
               <a:rPr lang="fr-FR" b="1" dirty="0" smtClean="0"/>
@@ -2696,7 +2675,7 @@
           <a:p>
             <a:fld id="{AAB1DD30-0B32-A848-8410-C20CD9CDC563}" type="datetime1">
               <a:rPr lang="fr-FR" smtClean="0"/>
-              <a:t>28/09/17</a:t>
+              <a:t>12/10/17</a:t>
             </a:fld>
             <a:endParaRPr lang="fr-FR" dirty="0"/>
           </a:p>
@@ -2854,11 +2833,7 @@
             </a:r>
             <a:r>
               <a:rPr lang="fr-FR" dirty="0" smtClean="0"/>
-              <a:t>317 </a:t>
-            </a:r>
-            <a:r>
-              <a:rPr lang="fr-FR" dirty="0" smtClean="0"/>
-              <a:t>– </a:t>
+              <a:t>317 – </a:t>
             </a:r>
             <a:r>
               <a:rPr lang="fr-FR" b="1" dirty="0" smtClean="0"/>
@@ -3107,7 +3082,7 @@
           <a:p>
             <a:fld id="{668171DD-621C-2140-A38D-3C0E7C2239C7}" type="datetime1">
               <a:rPr lang="fr-FR" smtClean="0"/>
-              <a:t>28/09/17</a:t>
+              <a:t>12/10/17</a:t>
             </a:fld>
             <a:endParaRPr lang="fr-FR" dirty="0"/>
           </a:p>
@@ -3265,11 +3240,7 @@
             </a:r>
             <a:r>
               <a:rPr lang="fr-FR" dirty="0" smtClean="0"/>
-              <a:t>317 </a:t>
-            </a:r>
-            <a:r>
-              <a:rPr lang="fr-FR" dirty="0" smtClean="0"/>
-              <a:t>– </a:t>
+              <a:t>317 – </a:t>
             </a:r>
             <a:r>
               <a:rPr lang="fr-FR" b="1" dirty="0" smtClean="0"/>
@@ -3518,7 +3489,7 @@
           <a:p>
             <a:fld id="{91CF72A9-D654-5444-8857-3FC1397800DA}" type="datetime1">
               <a:rPr lang="fr-FR" smtClean="0"/>
-              <a:t>28/09/17</a:t>
+              <a:t>12/10/17</a:t>
             </a:fld>
             <a:endParaRPr lang="fr-FR" dirty="0"/>
           </a:p>
@@ -3628,11 +3599,7 @@
             </a:r>
             <a:r>
               <a:rPr lang="fr-FR" dirty="0" smtClean="0"/>
-              <a:t>317 </a:t>
-            </a:r>
-            <a:r>
-              <a:rPr lang="fr-FR" dirty="0" smtClean="0"/>
-              <a:t>– </a:t>
+              <a:t>317 – </a:t>
             </a:r>
             <a:r>
               <a:rPr lang="fr-FR" b="1" dirty="0" smtClean="0"/>
@@ -4188,11 +4155,7 @@
             </a:r>
             <a:r>
               <a:rPr lang="fr-FR" dirty="0" smtClean="0"/>
-              <a:t>317 </a:t>
-            </a:r>
-            <a:r>
-              <a:rPr lang="fr-FR" dirty="0" smtClean="0"/>
-              <a:t>– </a:t>
+              <a:t>317 – </a:t>
             </a:r>
             <a:r>
               <a:rPr lang="fr-FR" b="1" dirty="0" smtClean="0"/>
@@ -4336,7 +4299,7 @@
           <a:p>
             <a:fld id="{053EEE2D-E136-B54A-A081-6A4FDD0C43C4}" type="datetime1">
               <a:rPr lang="fr-FR" smtClean="0"/>
-              <a:t>28/09/17</a:t>
+              <a:t>12/10/17</a:t>
             </a:fld>
             <a:endParaRPr lang="fr-FR" dirty="0"/>
           </a:p>
@@ -4936,7 +4899,15 @@
                   <a:schemeClr val="tx1"/>
                 </a:solidFill>
               </a:rPr>
-              <a:t>Optimisation</a:t>
+              <a:t>Optimisation et </a:t>
+            </a:r>
+            <a:r>
+              <a:rPr lang="fr-FR" sz="3200" i="1" dirty="0" err="1" smtClean="0">
+                <a:solidFill>
+                  <a:schemeClr val="tx1"/>
+                </a:solidFill>
+              </a:rPr>
+              <a:t>parallélisation</a:t>
             </a:r>
             <a:r>
               <a:rPr lang="fr-FR" sz="3200" i="1" dirty="0" smtClean="0">
@@ -5229,15 +5200,7 @@
             </a:r>
             <a:r>
               <a:rPr lang="fr-FR" dirty="0" smtClean="0"/>
-              <a:t>317 </a:t>
-            </a:r>
-            <a:r>
-              <a:rPr lang="fr-FR" dirty="0" smtClean="0"/>
-              <a:t>– </a:t>
-            </a:r>
-            <a:r>
-              <a:rPr lang="fr-FR" dirty="0" smtClean="0"/>
-              <a:t>Cours 3  </a:t>
+              <a:t>317 – Cours 3  </a:t>
             </a:r>
             <a:endParaRPr lang="fr-FR" b="1" dirty="0"/>
           </a:p>
@@ -5374,7 +5337,7 @@
           <a:p>
             <a:fld id="{2ED88F81-E892-434E-B5F5-D85D36598338}" type="datetime1">
               <a:rPr lang="fr-FR" smtClean="0"/>
-              <a:t>28/09/17</a:t>
+              <a:t>12/10/17</a:t>
             </a:fld>
             <a:endParaRPr lang="fr-FR" dirty="0"/>
           </a:p>
@@ -5405,15 +5368,7 @@
             </a:r>
             <a:r>
               <a:rPr lang="fr-FR" dirty="0" smtClean="0"/>
-              <a:t>317 </a:t>
-            </a:r>
-            <a:r>
-              <a:rPr lang="fr-FR" dirty="0" smtClean="0"/>
-              <a:t>– </a:t>
-            </a:r>
-            <a:r>
-              <a:rPr lang="fr-FR" dirty="0" smtClean="0"/>
-              <a:t>Cours 3  </a:t>
+              <a:t>317 – Cours 3  </a:t>
             </a:r>
             <a:endParaRPr lang="fr-FR" b="1" dirty="0"/>
           </a:p>
@@ -5605,15 +5560,7 @@
             </a:r>
             <a:r>
               <a:rPr lang="fr-FR" dirty="0" smtClean="0"/>
-              <a:t>317 </a:t>
-            </a:r>
-            <a:r>
-              <a:rPr lang="fr-FR" dirty="0" smtClean="0"/>
-              <a:t>– </a:t>
-            </a:r>
-            <a:r>
-              <a:rPr lang="fr-FR" dirty="0" smtClean="0"/>
-              <a:t>Cours 3  </a:t>
+              <a:t>317 – Cours 3  </a:t>
             </a:r>
             <a:endParaRPr lang="fr-FR" b="1" dirty="0"/>
           </a:p>
@@ -5708,7 +5655,7 @@
           <a:p>
             <a:fld id="{4ED706FC-BC28-E740-B2B0-3080EBB9ECFB}" type="datetime1">
               <a:rPr lang="fr-FR" smtClean="0"/>
-              <a:t>28/09/17</a:t>
+              <a:t>12/10/17</a:t>
             </a:fld>
             <a:endParaRPr lang="fr-FR" dirty="0"/>
           </a:p>
@@ -5930,7 +5877,7 @@
           <a:p>
             <a:fld id="{50492920-3424-8141-9B56-ED669981932E}" type="datetime1">
               <a:rPr lang="fr-FR" smtClean="0"/>
-              <a:t>28/09/17</a:t>
+              <a:t>12/10/17</a:t>
             </a:fld>
             <a:endParaRPr lang="fr-FR" dirty="0"/>
           </a:p>
@@ -5985,15 +5932,7 @@
             </a:r>
             <a:r>
               <a:rPr lang="fr-FR" dirty="0" smtClean="0"/>
-              <a:t>317 </a:t>
-            </a:r>
-            <a:r>
-              <a:rPr lang="fr-FR" dirty="0" smtClean="0"/>
-              <a:t>– </a:t>
-            </a:r>
-            <a:r>
-              <a:rPr lang="fr-FR" dirty="0" smtClean="0"/>
-              <a:t>Cours 3  </a:t>
+              <a:t>317 – Cours 3  </a:t>
             </a:r>
             <a:endParaRPr lang="fr-FR" b="1" dirty="0"/>
           </a:p>
@@ -6300,7 +6239,7 @@
           <a:p>
             <a:fld id="{2ED88F81-E892-434E-B5F5-D85D36598338}" type="datetime1">
               <a:rPr lang="fr-FR" smtClean="0"/>
-              <a:t>28/09/17</a:t>
+              <a:t>12/10/17</a:t>
             </a:fld>
             <a:endParaRPr lang="fr-FR" dirty="0"/>
           </a:p>
@@ -6339,11 +6278,7 @@
             </a:r>
             <a:r>
               <a:rPr lang="fr-FR" dirty="0" smtClean="0"/>
-              <a:t>317 </a:t>
-            </a:r>
-            <a:r>
-              <a:rPr lang="fr-FR" dirty="0" smtClean="0"/>
-              <a:t>– </a:t>
+              <a:t>317 – </a:t>
             </a:r>
             <a:r>
               <a:rPr lang="fr-FR" b="1" dirty="0" smtClean="0"/>
@@ -6565,15 +6500,7 @@
             </a:r>
             <a:r>
               <a:rPr lang="fr-FR" dirty="0" smtClean="0"/>
-              <a:t>317 </a:t>
-            </a:r>
-            <a:r>
-              <a:rPr lang="fr-FR" dirty="0" smtClean="0"/>
-              <a:t>– </a:t>
-            </a:r>
-            <a:r>
-              <a:rPr lang="fr-FR" dirty="0" smtClean="0"/>
-              <a:t>Cours 3  </a:t>
+              <a:t>317 – Cours 3  </a:t>
             </a:r>
             <a:endParaRPr lang="fr-FR" b="1" dirty="0"/>
           </a:p>
@@ -6596,7 +6523,7 @@
           <a:p>
             <a:fld id="{7045815A-7409-B94D-87F1-BC86079FD48C}" type="datetime1">
               <a:rPr lang="fr-FR" smtClean="0"/>
-              <a:t>28/09/17</a:t>
+              <a:t>12/10/17</a:t>
             </a:fld>
             <a:endParaRPr lang="fr-FR" dirty="0"/>
           </a:p>
@@ -6789,7 +6716,7 @@
           <a:p>
             <a:fld id="{2ED88F81-E892-434E-B5F5-D85D36598338}" type="datetime1">
               <a:rPr lang="fr-FR" smtClean="0"/>
-              <a:t>28/09/17</a:t>
+              <a:t>12/10/17</a:t>
             </a:fld>
             <a:endParaRPr lang="fr-FR" dirty="0"/>
           </a:p>
@@ -6828,11 +6755,7 @@
             </a:r>
             <a:r>
               <a:rPr lang="fr-FR" dirty="0" smtClean="0"/>
-              <a:t>317 </a:t>
-            </a:r>
-            <a:r>
-              <a:rPr lang="fr-FR" dirty="0" smtClean="0"/>
-              <a:t>– </a:t>
+              <a:t>317 – </a:t>
             </a:r>
             <a:r>
               <a:rPr lang="fr-FR" b="1" dirty="0" smtClean="0"/>
@@ -7026,15 +6949,7 @@
             </a:r>
             <a:r>
               <a:rPr lang="fr-FR" dirty="0" smtClean="0"/>
-              <a:t>317 </a:t>
-            </a:r>
-            <a:r>
-              <a:rPr lang="fr-FR" dirty="0" smtClean="0"/>
-              <a:t>– </a:t>
-            </a:r>
-            <a:r>
-              <a:rPr lang="fr-FR" dirty="0" smtClean="0"/>
-              <a:t>Cours 3  </a:t>
+              <a:t>317 – Cours 3  </a:t>
             </a:r>
             <a:endParaRPr lang="fr-FR" b="1" dirty="0"/>
           </a:p>
@@ -7081,7 +6996,7 @@
           <a:p>
             <a:fld id="{10A10434-39D8-E948-BF6F-2FEF17656970}" type="datetime1">
               <a:rPr lang="fr-FR" smtClean="0"/>
-              <a:t>28/09/17</a:t>
+              <a:t>12/10/17</a:t>
             </a:fld>
             <a:endParaRPr lang="fr-FR" dirty="0"/>
           </a:p>
@@ -7285,7 +7200,7 @@
           <a:p>
             <a:fld id="{9F5BC0BA-369E-E44E-AFBC-173CEB3AFD9D}" type="datetime1">
               <a:rPr lang="fr-FR" smtClean="0"/>
-              <a:t>28/09/17</a:t>
+              <a:t>12/10/17</a:t>
             </a:fld>
             <a:endParaRPr lang="fr-FR" dirty="0"/>
           </a:p>
@@ -7340,15 +7255,7 @@
             </a:r>
             <a:r>
               <a:rPr lang="fr-FR" dirty="0" smtClean="0"/>
-              <a:t>317 </a:t>
-            </a:r>
-            <a:r>
-              <a:rPr lang="fr-FR" dirty="0" smtClean="0"/>
-              <a:t>– </a:t>
-            </a:r>
-            <a:r>
-              <a:rPr lang="fr-FR" dirty="0" smtClean="0"/>
-              <a:t>Cours 3  </a:t>
+              <a:t>317 – Cours 3  </a:t>
             </a:r>
             <a:endParaRPr lang="fr-FR" b="1" dirty="0"/>
           </a:p>
@@ -7671,7 +7578,7 @@
           <a:p>
             <a:fld id="{F6BBDDBA-FCE3-4341-AC97-8A801C487A82}" type="datetime1">
               <a:rPr lang="fr-FR" smtClean="0"/>
-              <a:t>28/09/17</a:t>
+              <a:t>12/10/17</a:t>
             </a:fld>
             <a:endParaRPr lang="fr-FR" dirty="0"/>
           </a:p>
@@ -7726,15 +7633,7 @@
             </a:r>
             <a:r>
               <a:rPr lang="fr-FR" dirty="0" smtClean="0"/>
-              <a:t>317 </a:t>
-            </a:r>
-            <a:r>
-              <a:rPr lang="fr-FR" dirty="0" smtClean="0"/>
-              <a:t>– </a:t>
-            </a:r>
-            <a:r>
-              <a:rPr lang="fr-FR" dirty="0" smtClean="0"/>
-              <a:t>Cours 3  </a:t>
+              <a:t>317 – Cours 3  </a:t>
             </a:r>
             <a:endParaRPr lang="fr-FR" b="1" dirty="0"/>
           </a:p>
@@ -7876,15 +7775,7 @@
             </a:r>
             <a:r>
               <a:rPr lang="fr-FR" dirty="0" smtClean="0"/>
-              <a:t>317 </a:t>
-            </a:r>
-            <a:r>
-              <a:rPr lang="fr-FR" dirty="0" smtClean="0"/>
-              <a:t>– </a:t>
-            </a:r>
-            <a:r>
-              <a:rPr lang="fr-FR" dirty="0" smtClean="0"/>
-              <a:t>Cours 3  </a:t>
+              <a:t>317 – Cours 3  </a:t>
             </a:r>
             <a:endParaRPr lang="fr-FR" b="1" dirty="0"/>
           </a:p>
@@ -8245,7 +8136,7 @@
           <a:p>
             <a:fld id="{51257A68-2B4C-644D-A6C2-85BE8A6110E8}" type="datetime1">
               <a:rPr lang="fr-FR" smtClean="0"/>
-              <a:t>28/09/17</a:t>
+              <a:t>12/10/17</a:t>
             </a:fld>
             <a:endParaRPr lang="fr-FR" dirty="0"/>
           </a:p>
@@ -8412,15 +8303,7 @@
             </a:r>
             <a:r>
               <a:rPr lang="fr-FR" dirty="0" smtClean="0"/>
-              <a:t>317 </a:t>
-            </a:r>
-            <a:r>
-              <a:rPr lang="fr-FR" dirty="0" smtClean="0"/>
-              <a:t>– </a:t>
-            </a:r>
-            <a:r>
-              <a:rPr lang="fr-FR" dirty="0" smtClean="0"/>
-              <a:t>Cours 3  </a:t>
+              <a:t>317 – Cours 3  </a:t>
             </a:r>
             <a:endParaRPr lang="fr-FR" dirty="0"/>
           </a:p>
@@ -8443,7 +8326,7 @@
           <a:p>
             <a:fld id="{8C30685E-5AA3-FB4D-8959-7D873846B23F}" type="datetime1">
               <a:rPr lang="fr-FR" smtClean="0"/>
-              <a:t>28/09/17</a:t>
+              <a:t>12/10/17</a:t>
             </a:fld>
             <a:endParaRPr lang="fr-FR" dirty="0"/>
           </a:p>
@@ -8735,15 +8618,7 @@
             </a:r>
             <a:r>
               <a:rPr lang="fr-FR" dirty="0" smtClean="0"/>
-              <a:t>317 </a:t>
-            </a:r>
-            <a:r>
-              <a:rPr lang="fr-FR" dirty="0" smtClean="0"/>
-              <a:t>– </a:t>
-            </a:r>
-            <a:r>
-              <a:rPr lang="fr-FR" dirty="0" smtClean="0"/>
-              <a:t>Cours 3  </a:t>
+              <a:t>317 – Cours 3  </a:t>
             </a:r>
             <a:endParaRPr lang="fr-FR" b="1" dirty="0"/>
           </a:p>
@@ -8952,7 +8827,7 @@
           <a:p>
             <a:fld id="{068EAFD7-2AC6-BD4B-A754-40D582C30BC6}" type="datetime1">
               <a:rPr lang="fr-FR" smtClean="0"/>
-              <a:t>28/09/17</a:t>
+              <a:t>12/10/17</a:t>
             </a:fld>
             <a:endParaRPr lang="fr-FR" dirty="0"/>
           </a:p>
@@ -9140,7 +9015,7 @@
           <a:p>
             <a:fld id="{E097CDB6-C315-BD4B-BE3D-ED2A1CAEBB44}" type="datetime1">
               <a:rPr lang="fr-FR" smtClean="0"/>
-              <a:t>28/09/17</a:t>
+              <a:t>12/10/17</a:t>
             </a:fld>
             <a:endParaRPr lang="fr-FR" dirty="0"/>
           </a:p>
@@ -9195,15 +9070,7 @@
             </a:r>
             <a:r>
               <a:rPr lang="fr-FR" dirty="0" smtClean="0"/>
-              <a:t>317 </a:t>
-            </a:r>
-            <a:r>
-              <a:rPr lang="fr-FR" dirty="0" smtClean="0"/>
-              <a:t>– </a:t>
-            </a:r>
-            <a:r>
-              <a:rPr lang="fr-FR" dirty="0" smtClean="0"/>
-              <a:t>Cours 3  </a:t>
+              <a:t>317 – Cours 3  </a:t>
             </a:r>
             <a:endParaRPr lang="fr-FR" b="1" dirty="0"/>
           </a:p>
@@ -9373,7 +9240,7 @@
           <a:p>
             <a:fld id="{2ED88F81-E892-434E-B5F5-D85D36598338}" type="datetime1">
               <a:rPr lang="fr-FR" smtClean="0"/>
-              <a:t>28/09/17</a:t>
+              <a:t>12/10/17</a:t>
             </a:fld>
             <a:endParaRPr lang="fr-FR" dirty="0"/>
           </a:p>
@@ -9412,11 +9279,7 @@
             </a:r>
             <a:r>
               <a:rPr lang="fr-FR" dirty="0" smtClean="0"/>
-              <a:t>317 </a:t>
-            </a:r>
-            <a:r>
-              <a:rPr lang="fr-FR" dirty="0" smtClean="0"/>
-              <a:t>– </a:t>
+              <a:t>317 – </a:t>
             </a:r>
             <a:r>
               <a:rPr lang="fr-FR" b="1" dirty="0" smtClean="0"/>
@@ -9699,7 +9562,7 @@
           <a:p>
             <a:fld id="{AEB7CAB2-657D-6E44-91A6-A24BD9130BAB}" type="datetime1">
               <a:rPr lang="fr-FR" smtClean="0"/>
-              <a:t>28/09/17</a:t>
+              <a:t>12/10/17</a:t>
             </a:fld>
             <a:endParaRPr lang="fr-FR" dirty="0"/>
           </a:p>
@@ -9754,15 +9617,7 @@
             </a:r>
             <a:r>
               <a:rPr lang="fr-FR" dirty="0" smtClean="0"/>
-              <a:t>317 </a:t>
-            </a:r>
-            <a:r>
-              <a:rPr lang="fr-FR" dirty="0" smtClean="0"/>
-              <a:t>– </a:t>
-            </a:r>
-            <a:r>
-              <a:rPr lang="fr-FR" dirty="0" smtClean="0"/>
-              <a:t>Cours 3  </a:t>
+              <a:t>317 – Cours 3  </a:t>
             </a:r>
             <a:endParaRPr lang="fr-FR" b="1" dirty="0"/>
           </a:p>
@@ -9865,7 +9720,7 @@
           <a:p>
             <a:fld id="{2ED88F81-E892-434E-B5F5-D85D36598338}" type="datetime1">
               <a:rPr lang="fr-FR" smtClean="0"/>
-              <a:t>28/09/17</a:t>
+              <a:t>12/10/17</a:t>
             </a:fld>
             <a:endParaRPr lang="fr-FR" dirty="0"/>
           </a:p>
@@ -9904,11 +9759,7 @@
             </a:r>
             <a:r>
               <a:rPr lang="fr-FR" dirty="0" smtClean="0"/>
-              <a:t>317 </a:t>
-            </a:r>
-            <a:r>
-              <a:rPr lang="fr-FR" dirty="0" smtClean="0"/>
-              <a:t>– </a:t>
+              <a:t>317 – </a:t>
             </a:r>
             <a:r>
               <a:rPr lang="fr-FR" b="1" dirty="0" smtClean="0"/>
@@ -10039,7 +9890,7 @@
           <a:p>
             <a:fld id="{2ED88F81-E892-434E-B5F5-D85D36598338}" type="datetime1">
               <a:rPr lang="fr-FR" smtClean="0"/>
-              <a:t>28/09/17</a:t>
+              <a:t>12/10/17</a:t>
             </a:fld>
             <a:endParaRPr lang="fr-FR" dirty="0"/>
           </a:p>
@@ -10078,11 +9929,7 @@
             </a:r>
             <a:r>
               <a:rPr lang="fr-FR" dirty="0" smtClean="0"/>
-              <a:t>317 </a:t>
-            </a:r>
-            <a:r>
-              <a:rPr lang="fr-FR" dirty="0" smtClean="0"/>
-              <a:t>– </a:t>
+              <a:t>317 – </a:t>
             </a:r>
             <a:r>
               <a:rPr lang="fr-FR" b="1" dirty="0" smtClean="0"/>
@@ -10395,7 +10242,7 @@
           <a:p>
             <a:fld id="{2ED88F81-E892-434E-B5F5-D85D36598338}" type="datetime1">
               <a:rPr lang="fr-FR" smtClean="0"/>
-              <a:t>28/09/17</a:t>
+              <a:t>12/10/17</a:t>
             </a:fld>
             <a:endParaRPr lang="fr-FR" dirty="0"/>
           </a:p>
@@ -10426,15 +10273,7 @@
             </a:r>
             <a:r>
               <a:rPr lang="fr-FR" dirty="0" smtClean="0"/>
-              <a:t>317 </a:t>
-            </a:r>
-            <a:r>
-              <a:rPr lang="fr-FR" dirty="0" smtClean="0"/>
-              <a:t>– </a:t>
-            </a:r>
-            <a:r>
-              <a:rPr lang="fr-FR" dirty="0" smtClean="0"/>
-              <a:t>Cours 3  </a:t>
+              <a:t>317 – Cours 3  </a:t>
             </a:r>
             <a:endParaRPr lang="fr-FR" b="1" dirty="0"/>
           </a:p>
@@ -10537,7 +10376,7 @@
           <a:p>
             <a:fld id="{2ED88F81-E892-434E-B5F5-D85D36598338}" type="datetime1">
               <a:rPr lang="fr-FR" smtClean="0"/>
-              <a:t>28/09/17</a:t>
+              <a:t>12/10/17</a:t>
             </a:fld>
             <a:endParaRPr lang="fr-FR" dirty="0"/>
           </a:p>
@@ -10568,15 +10407,7 @@
             </a:r>
             <a:r>
               <a:rPr lang="fr-FR" dirty="0" smtClean="0"/>
-              <a:t>317 </a:t>
-            </a:r>
-            <a:r>
-              <a:rPr lang="fr-FR" dirty="0" smtClean="0"/>
-              <a:t>– </a:t>
-            </a:r>
-            <a:r>
-              <a:rPr lang="fr-FR" dirty="0" smtClean="0"/>
-              <a:t>Cours 3  </a:t>
+              <a:t>317 – Cours 3  </a:t>
             </a:r>
             <a:endParaRPr lang="fr-FR" b="1" dirty="0"/>
           </a:p>
@@ -10835,7 +10666,7 @@
           <a:p>
             <a:fld id="{2ED88F81-E892-434E-B5F5-D85D36598338}" type="datetime1">
               <a:rPr lang="fr-FR" smtClean="0"/>
-              <a:t>28/09/17</a:t>
+              <a:t>12/10/17</a:t>
             </a:fld>
             <a:endParaRPr lang="fr-FR" dirty="0"/>
           </a:p>
@@ -10866,15 +10697,7 @@
             </a:r>
             <a:r>
               <a:rPr lang="fr-FR" dirty="0" smtClean="0"/>
-              <a:t>317 </a:t>
-            </a:r>
-            <a:r>
-              <a:rPr lang="fr-FR" dirty="0" smtClean="0"/>
-              <a:t>– </a:t>
-            </a:r>
-            <a:r>
-              <a:rPr lang="fr-FR" dirty="0" smtClean="0"/>
-              <a:t>Cours 3  </a:t>
+              <a:t>317 – Cours 3  </a:t>
             </a:r>
             <a:endParaRPr lang="fr-FR" b="1" dirty="0"/>
           </a:p>
@@ -11003,7 +10826,7 @@
           <a:p>
             <a:fld id="{2ED88F81-E892-434E-B5F5-D85D36598338}" type="datetime1">
               <a:rPr lang="fr-FR" smtClean="0"/>
-              <a:t>28/09/17</a:t>
+              <a:t>12/10/17</a:t>
             </a:fld>
             <a:endParaRPr lang="fr-FR" dirty="0"/>
           </a:p>
@@ -11034,15 +10857,7 @@
             </a:r>
             <a:r>
               <a:rPr lang="fr-FR" dirty="0" smtClean="0"/>
-              <a:t>317 </a:t>
-            </a:r>
-            <a:r>
-              <a:rPr lang="fr-FR" dirty="0" smtClean="0"/>
-              <a:t>– </a:t>
-            </a:r>
-            <a:r>
-              <a:rPr lang="fr-FR" dirty="0" smtClean="0"/>
-              <a:t>Cours 3  </a:t>
+              <a:t>317 – Cours 3  </a:t>
             </a:r>
             <a:endParaRPr lang="fr-FR" b="1" dirty="0"/>
           </a:p>
@@ -11219,15 +11034,7 @@
             </a:r>
             <a:r>
               <a:rPr lang="fr-FR" dirty="0" smtClean="0"/>
-              <a:t>317 </a:t>
-            </a:r>
-            <a:r>
-              <a:rPr lang="fr-FR" dirty="0" smtClean="0"/>
-              <a:t>– </a:t>
-            </a:r>
-            <a:r>
-              <a:rPr lang="fr-FR" dirty="0" smtClean="0"/>
-              <a:t>Cours 3  </a:t>
+              <a:t>317 – Cours 3  </a:t>
             </a:r>
             <a:endParaRPr lang="fr-FR" dirty="0"/>
           </a:p>
@@ -11250,7 +11057,7 @@
           <a:p>
             <a:fld id="{5196DD9C-7198-9745-9E71-7196063AEABF}" type="datetime1">
               <a:rPr lang="fr-FR" smtClean="0"/>
-              <a:t>28/09/17</a:t>
+              <a:t>12/10/17</a:t>
             </a:fld>
             <a:endParaRPr lang="fr-FR" dirty="0"/>
           </a:p>
@@ -11465,7 +11272,7 @@
           <a:p>
             <a:fld id="{66A2ED34-359D-FE47-A91F-1DB091E3414E}" type="datetime1">
               <a:rPr lang="fr-FR" smtClean="0"/>
-              <a:t>28/09/17</a:t>
+              <a:t>12/10/17</a:t>
             </a:fld>
             <a:endParaRPr lang="fr-FR" dirty="0"/>
           </a:p>
@@ -11496,15 +11303,7 @@
             </a:r>
             <a:r>
               <a:rPr lang="fr-FR" dirty="0" smtClean="0"/>
-              <a:t>317 </a:t>
-            </a:r>
-            <a:r>
-              <a:rPr lang="fr-FR" dirty="0" smtClean="0"/>
-              <a:t>– </a:t>
-            </a:r>
-            <a:r>
-              <a:rPr lang="fr-FR" dirty="0" smtClean="0"/>
-              <a:t>Cours 3  </a:t>
+              <a:t>317 – Cours 3  </a:t>
             </a:r>
             <a:endParaRPr lang="fr-FR" b="1" dirty="0"/>
           </a:p>
@@ -11684,7 +11483,7 @@
           <a:p>
             <a:fld id="{66A2ED34-359D-FE47-A91F-1DB091E3414E}" type="datetime1">
               <a:rPr lang="fr-FR" smtClean="0"/>
-              <a:t>28/09/17</a:t>
+              <a:t>12/10/17</a:t>
             </a:fld>
             <a:endParaRPr lang="fr-FR" dirty="0"/>
           </a:p>
@@ -11715,15 +11514,7 @@
             </a:r>
             <a:r>
               <a:rPr lang="fr-FR" dirty="0" smtClean="0"/>
-              <a:t>317 </a:t>
-            </a:r>
-            <a:r>
-              <a:rPr lang="fr-FR" dirty="0" smtClean="0"/>
-              <a:t>– </a:t>
-            </a:r>
-            <a:r>
-              <a:rPr lang="fr-FR" dirty="0" smtClean="0"/>
-              <a:t>Cours 3  </a:t>
+              <a:t>317 – Cours 3  </a:t>
             </a:r>
             <a:endParaRPr lang="fr-FR" b="1" dirty="0"/>
           </a:p>
@@ -11917,7 +11708,7 @@
           <a:p>
             <a:fld id="{66A2ED34-359D-FE47-A91F-1DB091E3414E}" type="datetime1">
               <a:rPr lang="fr-FR" smtClean="0"/>
-              <a:t>28/09/17</a:t>
+              <a:t>12/10/17</a:t>
             </a:fld>
             <a:endParaRPr lang="fr-FR" dirty="0"/>
           </a:p>
@@ -11948,15 +11739,7 @@
             </a:r>
             <a:r>
               <a:rPr lang="fr-FR" dirty="0" smtClean="0"/>
-              <a:t>317 </a:t>
-            </a:r>
-            <a:r>
-              <a:rPr lang="fr-FR" dirty="0" smtClean="0"/>
-              <a:t>– </a:t>
-            </a:r>
-            <a:r>
-              <a:rPr lang="fr-FR" dirty="0" smtClean="0"/>
-              <a:t>Cours 3  </a:t>
+              <a:t>317 – Cours 3  </a:t>
             </a:r>
             <a:endParaRPr lang="fr-FR" b="1" dirty="0"/>
           </a:p>
@@ -12085,7 +11868,7 @@
           <a:p>
             <a:fld id="{AAB1DD30-0B32-A848-8410-C20CD9CDC563}" type="datetime1">
               <a:rPr lang="fr-FR" smtClean="0"/>
-              <a:t>28/09/17</a:t>
+              <a:t>12/10/17</a:t>
             </a:fld>
             <a:endParaRPr lang="fr-FR" dirty="0"/>
           </a:p>
@@ -12116,15 +11899,7 @@
             </a:r>
             <a:r>
               <a:rPr lang="fr-FR" dirty="0" smtClean="0"/>
-              <a:t>317 </a:t>
-            </a:r>
-            <a:r>
-              <a:rPr lang="fr-FR" dirty="0" smtClean="0"/>
-              <a:t>– </a:t>
-            </a:r>
-            <a:r>
-              <a:rPr lang="fr-FR" dirty="0" smtClean="0"/>
-              <a:t>Cours 3  </a:t>
+              <a:t>317 – Cours 3  </a:t>
             </a:r>
             <a:endParaRPr lang="fr-FR" b="1" dirty="0"/>
           </a:p>
@@ -12281,7 +12056,7 @@
           <a:p>
             <a:fld id="{AAB1DD30-0B32-A848-8410-C20CD9CDC563}" type="datetime1">
               <a:rPr lang="fr-FR" smtClean="0"/>
-              <a:t>28/09/17</a:t>
+              <a:t>12/10/17</a:t>
             </a:fld>
             <a:endParaRPr lang="fr-FR" dirty="0"/>
           </a:p>
@@ -12312,15 +12087,7 @@
             </a:r>
             <a:r>
               <a:rPr lang="fr-FR" dirty="0" smtClean="0"/>
-              <a:t>317 </a:t>
-            </a:r>
-            <a:r>
-              <a:rPr lang="fr-FR" dirty="0" smtClean="0"/>
-              <a:t>– </a:t>
-            </a:r>
-            <a:r>
-              <a:rPr lang="fr-FR" dirty="0" smtClean="0"/>
-              <a:t>Cours 3  </a:t>
+              <a:t>317 – Cours 3  </a:t>
             </a:r>
             <a:endParaRPr lang="fr-FR" b="1" dirty="0"/>
           </a:p>
@@ -12508,7 +12275,7 @@
           <a:p>
             <a:fld id="{AAB1DD30-0B32-A848-8410-C20CD9CDC563}" type="datetime1">
               <a:rPr lang="fr-FR" smtClean="0"/>
-              <a:t>28/09/17</a:t>
+              <a:t>12/10/17</a:t>
             </a:fld>
             <a:endParaRPr lang="fr-FR" dirty="0"/>
           </a:p>
@@ -12539,15 +12306,7 @@
             </a:r>
             <a:r>
               <a:rPr lang="fr-FR" dirty="0" smtClean="0"/>
-              <a:t>317 </a:t>
-            </a:r>
-            <a:r>
-              <a:rPr lang="fr-FR" dirty="0" smtClean="0"/>
-              <a:t>– </a:t>
-            </a:r>
-            <a:r>
-              <a:rPr lang="fr-FR" dirty="0" smtClean="0"/>
-              <a:t>Cours 3  </a:t>
+              <a:t>317 – Cours 3  </a:t>
             </a:r>
             <a:endParaRPr lang="fr-FR" b="1" dirty="0"/>
           </a:p>
@@ -12765,7 +12524,7 @@
           <a:p>
             <a:fld id="{AAB1DD30-0B32-A848-8410-C20CD9CDC563}" type="datetime1">
               <a:rPr lang="fr-FR" smtClean="0"/>
-              <a:t>28/09/17</a:t>
+              <a:t>12/10/17</a:t>
             </a:fld>
             <a:endParaRPr lang="fr-FR" dirty="0"/>
           </a:p>
@@ -12804,11 +12563,7 @@
             </a:r>
             <a:r>
               <a:rPr lang="fr-FR" dirty="0" smtClean="0"/>
-              <a:t>317 </a:t>
-            </a:r>
-            <a:r>
-              <a:rPr lang="fr-FR" dirty="0" smtClean="0"/>
-              <a:t>– </a:t>
+              <a:t>317 – </a:t>
             </a:r>
             <a:r>
               <a:rPr lang="fr-FR" b="1" dirty="0" smtClean="0"/>
@@ -13057,7 +12812,7 @@
           <a:p>
             <a:fld id="{AAB1DD30-0B32-A848-8410-C20CD9CDC563}" type="datetime1">
               <a:rPr lang="fr-FR" smtClean="0"/>
-              <a:t>28/09/17</a:t>
+              <a:t>12/10/17</a:t>
             </a:fld>
             <a:endParaRPr lang="fr-FR" dirty="0"/>
           </a:p>
@@ -13096,11 +12851,7 @@
             </a:r>
             <a:r>
               <a:rPr lang="fr-FR" dirty="0" smtClean="0"/>
-              <a:t>317 </a:t>
-            </a:r>
-            <a:r>
-              <a:rPr lang="fr-FR" dirty="0" smtClean="0"/>
-              <a:t>– </a:t>
+              <a:t>317 – </a:t>
             </a:r>
             <a:r>
               <a:rPr lang="fr-FR" b="1" dirty="0" smtClean="0"/>
@@ -13279,7 +13030,7 @@
           <a:p>
             <a:fld id="{AAB1DD30-0B32-A848-8410-C20CD9CDC563}" type="datetime1">
               <a:rPr lang="fr-FR" smtClean="0"/>
-              <a:t>28/09/17</a:t>
+              <a:t>12/10/17</a:t>
             </a:fld>
             <a:endParaRPr lang="fr-FR" dirty="0"/>
           </a:p>
@@ -13318,11 +13069,7 @@
             </a:r>
             <a:r>
               <a:rPr lang="fr-FR" dirty="0" smtClean="0"/>
-              <a:t>317 </a:t>
-            </a:r>
-            <a:r>
-              <a:rPr lang="fr-FR" dirty="0" smtClean="0"/>
-              <a:t>– </a:t>
+              <a:t>317 – </a:t>
             </a:r>
             <a:r>
               <a:rPr lang="fr-FR" b="1" dirty="0" smtClean="0"/>
@@ -13688,7 +13435,7 @@
           <a:p>
             <a:fld id="{AAB1DD30-0B32-A848-8410-C20CD9CDC563}" type="datetime1">
               <a:rPr lang="fr-FR" smtClean="0"/>
-              <a:t>28/09/17</a:t>
+              <a:t>12/10/17</a:t>
             </a:fld>
             <a:endParaRPr lang="fr-FR" dirty="0"/>
           </a:p>
@@ -13727,11 +13474,7 @@
             </a:r>
             <a:r>
               <a:rPr lang="fr-FR" dirty="0" smtClean="0"/>
-              <a:t>317 </a:t>
-            </a:r>
-            <a:r>
-              <a:rPr lang="fr-FR" dirty="0" smtClean="0"/>
-              <a:t>– </a:t>
+              <a:t>317 – </a:t>
             </a:r>
             <a:r>
               <a:rPr lang="fr-FR" b="1" dirty="0" smtClean="0"/>
@@ -13881,15 +13624,7 @@
             </a:r>
             <a:r>
               <a:rPr lang="fr-FR" dirty="0" smtClean="0"/>
-              <a:t>317 </a:t>
-            </a:r>
-            <a:r>
-              <a:rPr lang="fr-FR" dirty="0" smtClean="0"/>
-              <a:t>– </a:t>
-            </a:r>
-            <a:r>
-              <a:rPr lang="fr-FR" dirty="0" smtClean="0"/>
-              <a:t>Cours 3  </a:t>
+              <a:t>317 – Cours 3  </a:t>
             </a:r>
             <a:endParaRPr lang="fr-FR" b="1" dirty="0"/>
           </a:p>
@@ -13912,7 +13647,7 @@
           <a:p>
             <a:fld id="{DBF2635B-E0F3-544D-8169-E6FE3ADCBB1D}" type="datetime1">
               <a:rPr lang="fr-FR" smtClean="0"/>
-              <a:t>28/09/17</a:t>
+              <a:t>12/10/17</a:t>
             </a:fld>
             <a:endParaRPr lang="fr-FR" dirty="0"/>
           </a:p>
@@ -14063,7 +13798,7 @@
           <a:p>
             <a:fld id="{668171DD-621C-2140-A38D-3C0E7C2239C7}" type="datetime1">
               <a:rPr lang="fr-FR" smtClean="0"/>
-              <a:t>28/09/17</a:t>
+              <a:t>12/10/17</a:t>
             </a:fld>
             <a:endParaRPr lang="fr-FR" dirty="0"/>
           </a:p>
@@ -14094,15 +13829,7 @@
             </a:r>
             <a:r>
               <a:rPr lang="fr-FR" dirty="0" smtClean="0"/>
-              <a:t>317 </a:t>
-            </a:r>
-            <a:r>
-              <a:rPr lang="fr-FR" dirty="0" smtClean="0"/>
-              <a:t>– </a:t>
-            </a:r>
-            <a:r>
-              <a:rPr lang="fr-FR" dirty="0" smtClean="0"/>
-              <a:t>Cours 3  </a:t>
+              <a:t>317 – Cours 3  </a:t>
             </a:r>
             <a:endParaRPr lang="fr-FR" b="1" dirty="0"/>
           </a:p>
@@ -14300,7 +14027,7 @@
           <a:p>
             <a:fld id="{668171DD-621C-2140-A38D-3C0E7C2239C7}" type="datetime1">
               <a:rPr lang="fr-FR" smtClean="0"/>
-              <a:t>28/09/17</a:t>
+              <a:t>12/10/17</a:t>
             </a:fld>
             <a:endParaRPr lang="fr-FR" dirty="0"/>
           </a:p>
@@ -14331,15 +14058,7 @@
             </a:r>
             <a:r>
               <a:rPr lang="fr-FR" dirty="0" smtClean="0"/>
-              <a:t>317 </a:t>
-            </a:r>
-            <a:r>
-              <a:rPr lang="fr-FR" dirty="0" smtClean="0"/>
-              <a:t>– </a:t>
-            </a:r>
-            <a:r>
-              <a:rPr lang="fr-FR" dirty="0" smtClean="0"/>
-              <a:t>Cours 3  </a:t>
+              <a:t>317 – Cours 3  </a:t>
             </a:r>
             <a:endParaRPr lang="fr-FR" b="1" dirty="0"/>
           </a:p>
@@ -14770,7 +14489,7 @@
           <a:p>
             <a:fld id="{668171DD-621C-2140-A38D-3C0E7C2239C7}" type="datetime1">
               <a:rPr lang="fr-FR" smtClean="0"/>
-              <a:t>28/09/17</a:t>
+              <a:t>12/10/17</a:t>
             </a:fld>
             <a:endParaRPr lang="fr-FR" dirty="0"/>
           </a:p>
@@ -14801,15 +14520,7 @@
             </a:r>
             <a:r>
               <a:rPr lang="fr-FR" dirty="0" smtClean="0"/>
-              <a:t>317 </a:t>
-            </a:r>
-            <a:r>
-              <a:rPr lang="fr-FR" dirty="0" smtClean="0"/>
-              <a:t>– </a:t>
-            </a:r>
-            <a:r>
-              <a:rPr lang="fr-FR" dirty="0" smtClean="0"/>
-              <a:t>Cours 3  </a:t>
+              <a:t>317 – Cours 3  </a:t>
             </a:r>
             <a:endParaRPr lang="fr-FR" b="1" dirty="0"/>
           </a:p>
@@ -15030,7 +14741,7 @@
           <a:p>
             <a:fld id="{668171DD-621C-2140-A38D-3C0E7C2239C7}" type="datetime1">
               <a:rPr lang="fr-FR" smtClean="0"/>
-              <a:t>28/09/17</a:t>
+              <a:t>12/10/17</a:t>
             </a:fld>
             <a:endParaRPr lang="fr-FR" dirty="0"/>
           </a:p>
@@ -15061,15 +14772,7 @@
             </a:r>
             <a:r>
               <a:rPr lang="fr-FR" dirty="0" smtClean="0"/>
-              <a:t>317 </a:t>
-            </a:r>
-            <a:r>
-              <a:rPr lang="fr-FR" dirty="0" smtClean="0"/>
-              <a:t>– </a:t>
-            </a:r>
-            <a:r>
-              <a:rPr lang="fr-FR" dirty="0" smtClean="0"/>
-              <a:t>Cours 3  </a:t>
+              <a:t>317 – Cours 3  </a:t>
             </a:r>
             <a:endParaRPr lang="fr-FR" b="1" dirty="0"/>
           </a:p>
@@ -15824,7 +15527,7 @@
           <a:p>
             <a:fld id="{668171DD-621C-2140-A38D-3C0E7C2239C7}" type="datetime1">
               <a:rPr lang="fr-FR" smtClean="0"/>
-              <a:t>28/09/17</a:t>
+              <a:t>12/10/17</a:t>
             </a:fld>
             <a:endParaRPr lang="fr-FR" dirty="0"/>
           </a:p>
@@ -15855,15 +15558,7 @@
             </a:r>
             <a:r>
               <a:rPr lang="fr-FR" dirty="0" smtClean="0"/>
-              <a:t>317 </a:t>
-            </a:r>
-            <a:r>
-              <a:rPr lang="fr-FR" dirty="0" smtClean="0"/>
-              <a:t>– </a:t>
-            </a:r>
-            <a:r>
-              <a:rPr lang="fr-FR" dirty="0" smtClean="0"/>
-              <a:t>Cours 3  </a:t>
+              <a:t>317 – Cours 3  </a:t>
             </a:r>
             <a:endParaRPr lang="fr-FR" b="1" dirty="0"/>
           </a:p>
@@ -16102,7 +15797,7 @@
           <a:p>
             <a:fld id="{91CF72A9-D654-5444-8857-3FC1397800DA}" type="datetime1">
               <a:rPr lang="fr-FR" smtClean="0"/>
-              <a:t>28/09/17</a:t>
+              <a:t>12/10/17</a:t>
             </a:fld>
             <a:endParaRPr lang="fr-FR" dirty="0"/>
           </a:p>
@@ -16133,15 +15828,7 @@
             </a:r>
             <a:r>
               <a:rPr lang="fr-FR" dirty="0" smtClean="0"/>
-              <a:t>317 </a:t>
-            </a:r>
-            <a:r>
-              <a:rPr lang="fr-FR" dirty="0" smtClean="0"/>
-              <a:t>– </a:t>
-            </a:r>
-            <a:r>
-              <a:rPr lang="fr-FR" dirty="0" smtClean="0"/>
-              <a:t>Cours 3  </a:t>
+              <a:t>317 – Cours 3  </a:t>
             </a:r>
             <a:endParaRPr lang="fr-FR" b="1" dirty="0"/>
           </a:p>
@@ -16287,7 +15974,7 @@
           <a:p>
             <a:fld id="{91CF72A9-D654-5444-8857-3FC1397800DA}" type="datetime1">
               <a:rPr lang="fr-FR" smtClean="0"/>
-              <a:t>28/09/17</a:t>
+              <a:t>12/10/17</a:t>
             </a:fld>
             <a:endParaRPr lang="fr-FR" dirty="0"/>
           </a:p>
@@ -16318,15 +16005,7 @@
             </a:r>
             <a:r>
               <a:rPr lang="fr-FR" dirty="0" smtClean="0"/>
-              <a:t>317 </a:t>
-            </a:r>
-            <a:r>
-              <a:rPr lang="fr-FR" dirty="0" smtClean="0"/>
-              <a:t>– </a:t>
-            </a:r>
-            <a:r>
-              <a:rPr lang="fr-FR" dirty="0" smtClean="0"/>
-              <a:t>Cours 3  </a:t>
+              <a:t>317 – Cours 3  </a:t>
             </a:r>
             <a:endParaRPr lang="fr-FR" b="1" dirty="0"/>
           </a:p>
@@ -16455,7 +16134,7 @@
           <a:p>
             <a:fld id="{91CF72A9-D654-5444-8857-3FC1397800DA}" type="datetime1">
               <a:rPr lang="fr-FR" smtClean="0"/>
-              <a:t>28/09/17</a:t>
+              <a:t>12/10/17</a:t>
             </a:fld>
             <a:endParaRPr lang="fr-FR" dirty="0"/>
           </a:p>
@@ -16486,15 +16165,7 @@
             </a:r>
             <a:r>
               <a:rPr lang="fr-FR" dirty="0" smtClean="0"/>
-              <a:t>317 </a:t>
-            </a:r>
-            <a:r>
-              <a:rPr lang="fr-FR" dirty="0" smtClean="0"/>
-              <a:t>– </a:t>
-            </a:r>
-            <a:r>
-              <a:rPr lang="fr-FR" dirty="0" smtClean="0"/>
-              <a:t>Cours 3  </a:t>
+              <a:t>317 – Cours 3  </a:t>
             </a:r>
             <a:endParaRPr lang="fr-FR" b="1" dirty="0"/>
           </a:p>
@@ -16623,7 +16294,7 @@
           <a:p>
             <a:fld id="{4E98CD23-23F2-6042-B6A2-DB95A11E092D}" type="datetime1">
               <a:rPr lang="fr-FR" smtClean="0"/>
-              <a:t>28/09/17</a:t>
+              <a:t>12/10/17</a:t>
             </a:fld>
             <a:endParaRPr lang="fr-FR" dirty="0"/>
           </a:p>
@@ -16654,15 +16325,7 @@
             </a:r>
             <a:r>
               <a:rPr lang="fr-FR" dirty="0" smtClean="0"/>
-              <a:t>317 </a:t>
-            </a:r>
-            <a:r>
-              <a:rPr lang="fr-FR" dirty="0" smtClean="0"/>
-              <a:t>– </a:t>
-            </a:r>
-            <a:r>
-              <a:rPr lang="fr-FR" dirty="0" smtClean="0"/>
-              <a:t>Cours 3  </a:t>
+              <a:t>317 – Cours 3  </a:t>
             </a:r>
             <a:endParaRPr lang="fr-FR" b="1" dirty="0"/>
           </a:p>
@@ -16833,15 +16496,7 @@
             </a:r>
             <a:r>
               <a:rPr lang="fr-FR" dirty="0" smtClean="0"/>
-              <a:t>317 </a:t>
-            </a:r>
-            <a:r>
-              <a:rPr lang="fr-FR" dirty="0" smtClean="0"/>
-              <a:t>– </a:t>
-            </a:r>
-            <a:r>
-              <a:rPr lang="fr-FR" dirty="0" smtClean="0"/>
-              <a:t>Cours 3  </a:t>
+              <a:t>317 – Cours 3  </a:t>
             </a:r>
             <a:endParaRPr lang="fr-FR" b="1" dirty="0"/>
           </a:p>
@@ -16864,7 +16519,7 @@
           <a:p>
             <a:fld id="{125ADDA0-C505-5E4D-9800-9D508EB055D1}" type="datetime1">
               <a:rPr lang="fr-FR" smtClean="0"/>
-              <a:t>28/09/17</a:t>
+              <a:t>12/10/17</a:t>
             </a:fld>
             <a:endParaRPr lang="fr-FR" dirty="0"/>
           </a:p>
@@ -17091,15 +16746,7 @@
             </a:r>
             <a:r>
               <a:rPr lang="fr-FR" dirty="0" smtClean="0"/>
-              <a:t>317 </a:t>
-            </a:r>
-            <a:r>
-              <a:rPr lang="fr-FR" dirty="0" smtClean="0"/>
-              <a:t>– </a:t>
-            </a:r>
-            <a:r>
-              <a:rPr lang="fr-FR" dirty="0" smtClean="0"/>
-              <a:t>Cours 3  </a:t>
+              <a:t>317 – Cours 3  </a:t>
             </a:r>
             <a:endParaRPr lang="fr-FR" b="1" dirty="0"/>
           </a:p>
@@ -17122,7 +16769,7 @@
           <a:p>
             <a:fld id="{7DE88A69-778C-5F4A-9349-2E1797108619}" type="datetime1">
               <a:rPr lang="fr-FR" smtClean="0"/>
-              <a:t>28/09/17</a:t>
+              <a:t>12/10/17</a:t>
             </a:fld>
             <a:endParaRPr lang="fr-FR" dirty="0"/>
           </a:p>
@@ -17427,15 +17074,7 @@
             </a:r>
             <a:r>
               <a:rPr lang="fr-FR" dirty="0" smtClean="0"/>
-              <a:t>317 </a:t>
-            </a:r>
-            <a:r>
-              <a:rPr lang="fr-FR" dirty="0" smtClean="0"/>
-              <a:t>– </a:t>
-            </a:r>
-            <a:r>
-              <a:rPr lang="fr-FR" dirty="0" smtClean="0"/>
-              <a:t>Cours 3  </a:t>
+              <a:t>317 – Cours 3  </a:t>
             </a:r>
             <a:endParaRPr lang="fr-FR" b="1" dirty="0"/>
           </a:p>
@@ -17458,7 +17097,7 @@
           <a:p>
             <a:fld id="{06E2E4B7-BB8A-A342-9341-BD5B9285132C}" type="datetime1">
               <a:rPr lang="fr-FR" smtClean="0"/>
-              <a:t>28/09/17</a:t>
+              <a:t>12/10/17</a:t>
             </a:fld>
             <a:endParaRPr lang="fr-FR" dirty="0"/>
           </a:p>
@@ -17613,15 +17252,7 @@
             </a:r>
             <a:r>
               <a:rPr lang="fr-FR" dirty="0" smtClean="0"/>
-              <a:t>317 </a:t>
-            </a:r>
-            <a:r>
-              <a:rPr lang="fr-FR" dirty="0" smtClean="0"/>
-              <a:t>– </a:t>
-            </a:r>
-            <a:r>
-              <a:rPr lang="fr-FR" dirty="0" smtClean="0"/>
-              <a:t>Cours 3  </a:t>
+              <a:t>317 – Cours 3  </a:t>
             </a:r>
             <a:endParaRPr lang="fr-FR" b="1" dirty="0"/>
           </a:p>
@@ -17668,7 +17299,7 @@
           <a:p>
             <a:fld id="{6B888BE4-F9AD-C642-AE0C-CFED467A6FF8}" type="datetime1">
               <a:rPr lang="fr-FR" smtClean="0"/>
-              <a:t>28/09/17</a:t>
+              <a:t>12/10/17</a:t>
             </a:fld>
             <a:endParaRPr lang="fr-FR" dirty="0"/>
           </a:p>

--- a/2017_03_Optimisation.pptx
+++ b/2017_03_Optimisation.pptx
@@ -10989,18 +10989,13 @@
             </a:pPr>
             <a:r>
               <a:rPr lang="fr-FR" sz="2800" b="1" dirty="0" smtClean="0"/>
-              <a:t>Comment valider votre travail ?</a:t>
-            </a:r>
-          </a:p>
-          <a:p>
-            <a:pPr marL="0" indent="0">
-              <a:buNone/>
-            </a:pPr>
+              <a:t>Comment valider votre travail </a:t>
+            </a:r>
             <a:r>
               <a:rPr lang="fr-FR" sz="2800" b="1" dirty="0" smtClean="0"/>
-              <a:t>Ou trouver exemples et inspiration ?</a:t>
-            </a:r>
-            <a:endParaRPr lang="fr-FR" sz="2800" b="1" dirty="0"/>
+              <a:t>?</a:t>
+            </a:r>
+            <a:endParaRPr lang="fr-FR" sz="2800" b="1" dirty="0" smtClean="0"/>
           </a:p>
         </p:txBody>
       </p:sp>
